--- a/PPTs/ProgramacionII_Clase_04.2-2018.pptx
+++ b/PPTs/ProgramacionII_Clase_04.2-2018.pptx
@@ -110,6 +110,11 @@
       </a:defRPr>
     </a:lvl9pPr>
   </p:defaultTextStyle>
+  <p:extLst>
+    <p:ext uri="{EFAFB233-063F-42B5-8137-9DF3F51BA10A}">
+      <p15:sldGuideLst xmlns:p15="http://schemas.microsoft.com/office/powerpoint/2012/main"/>
+    </p:ext>
+  </p:extLst>
 </p:presentation>
 </file>
 
@@ -387,7 +392,7 @@
           <a:p>
             <a:fld id="{78ABE3C1-DBE1-495D-B57B-2849774B866A}" type="datetimeFigureOut">
               <a:rPr lang="en-US" dirty="0"/>
-              <a:t>8/28/2018</a:t>
+              <a:t>8/30/2018</a:t>
             </a:fld>
             <a:endParaRPr lang="en-US" dirty="0"/>
           </a:p>
@@ -796,7 +801,7 @@
           <a:p>
             <a:fld id="{446C117F-5CCF-4837-BE5F-2B92066CAFAF}" type="datetimeFigureOut">
               <a:rPr lang="en-US" dirty="0"/>
-              <a:t>8/28/2018</a:t>
+              <a:t>8/30/2018</a:t>
             </a:fld>
             <a:endParaRPr lang="en-US" dirty="0"/>
           </a:p>
@@ -1127,7 +1132,7 @@
           <a:p>
             <a:fld id="{84EB90BD-B6CE-46B7-997F-7313B992CCDC}" type="datetimeFigureOut">
               <a:rPr lang="en-US" dirty="0"/>
-              <a:t>8/28/2018</a:t>
+              <a:t>8/30/2018</a:t>
             </a:fld>
             <a:endParaRPr lang="en-US" dirty="0"/>
           </a:p>
@@ -1527,7 +1532,7 @@
           <a:p>
             <a:fld id="{CDB9D11F-B188-461D-B23F-39381795C052}" type="datetimeFigureOut">
               <a:rPr lang="en-US" dirty="0"/>
-              <a:t>8/28/2018</a:t>
+              <a:t>8/30/2018</a:t>
             </a:fld>
             <a:endParaRPr lang="en-US" dirty="0"/>
           </a:p>
@@ -2090,7 +2095,7 @@
           <a:p>
             <a:fld id="{52E6D8D9-55A2-4063-B0F3-121F44549695}" type="datetimeFigureOut">
               <a:rPr lang="en-US" dirty="0"/>
-              <a:t>8/28/2018</a:t>
+              <a:t>8/30/2018</a:t>
             </a:fld>
             <a:endParaRPr lang="en-US" dirty="0"/>
           </a:p>
@@ -2766,7 +2771,7 @@
           <a:p>
             <a:fld id="{D4B24536-994D-4021-A283-9F449C0DB509}" type="datetimeFigureOut">
               <a:rPr lang="en-US" dirty="0"/>
-              <a:t>8/28/2018</a:t>
+              <a:t>8/30/2018</a:t>
             </a:fld>
             <a:endParaRPr lang="en-US" dirty="0"/>
           </a:p>
@@ -3674,7 +3679,7 @@
           <a:p>
             <a:fld id="{3CBBBB78-C96F-47B7-AB17-D852CA960AC9}" type="datetimeFigureOut">
               <a:rPr lang="en-US" dirty="0"/>
-              <a:t>8/28/2018</a:t>
+              <a:t>8/30/2018</a:t>
             </a:fld>
             <a:endParaRPr lang="en-US" dirty="0"/>
           </a:p>
@@ -3982,7 +3987,7 @@
           <a:p>
             <a:fld id="{1FA3F48C-C7C6-4055-9F49-3777875E72AE}" type="datetimeFigureOut">
               <a:rPr lang="en-US" dirty="0"/>
-              <a:t>8/28/2018</a:t>
+              <a:t>8/30/2018</a:t>
             </a:fld>
             <a:endParaRPr lang="en-US" dirty="0"/>
           </a:p>
@@ -4241,7 +4246,7 @@
           <a:p>
             <a:fld id="{6178E61D-D431-422C-9764-11DAFE33AB63}" type="datetimeFigureOut">
               <a:rPr lang="en-US" dirty="0"/>
-              <a:t>8/28/2018</a:t>
+              <a:t>8/30/2018</a:t>
             </a:fld>
             <a:endParaRPr lang="en-US" dirty="0"/>
           </a:p>
@@ -4560,7 +4565,7 @@
           <a:p>
             <a:fld id="{12DE42F4-6EEF-4EF7-8ED4-2208F0F89A08}" type="datetimeFigureOut">
               <a:rPr lang="en-US" dirty="0"/>
-              <a:t>8/28/2018</a:t>
+              <a:t>8/30/2018</a:t>
             </a:fld>
             <a:endParaRPr lang="en-US" dirty="0"/>
           </a:p>
@@ -4944,7 +4949,7 @@
           <a:p>
             <a:fld id="{30578ACC-22D6-47C1-A373-4FD133E34F3C}" type="datetimeFigureOut">
               <a:rPr lang="en-US" dirty="0"/>
-              <a:t>8/28/2018</a:t>
+              <a:t>8/30/2018</a:t>
             </a:fld>
             <a:endParaRPr lang="en-US" dirty="0"/>
           </a:p>
@@ -5315,7 +5320,7 @@
           <a:p>
             <a:fld id="{4E5A6C69-6797-4E8A-BF37-F2C3751466E9}" type="datetimeFigureOut">
               <a:rPr lang="en-US" dirty="0"/>
-              <a:t>8/28/2018</a:t>
+              <a:t>8/30/2018</a:t>
             </a:fld>
             <a:endParaRPr lang="en-US" dirty="0"/>
           </a:p>
@@ -5816,7 +5821,7 @@
           <a:p>
             <a:fld id="{D82014A1-A632-4878-A0D3-F52BA7563730}" type="datetimeFigureOut">
               <a:rPr lang="en-US" dirty="0"/>
-              <a:t>8/28/2018</a:t>
+              <a:t>8/30/2018</a:t>
             </a:fld>
             <a:endParaRPr lang="en-US" dirty="0"/>
           </a:p>
@@ -6068,7 +6073,7 @@
           <a:p>
             <a:fld id="{CE99F462-093F-4566-844B-4C71F2739DA5}" type="datetimeFigureOut">
               <a:rPr lang="en-US" dirty="0"/>
-              <a:t>8/28/2018</a:t>
+              <a:t>8/30/2018</a:t>
             </a:fld>
             <a:endParaRPr lang="en-US" dirty="0"/>
           </a:p>
@@ -6226,7 +6231,7 @@
           <a:p>
             <a:fld id="{3D24A7AC-904D-4781-85BA-7D10C17ED021}" type="datetimeFigureOut">
               <a:rPr lang="en-US" dirty="0"/>
-              <a:t>8/28/2018</a:t>
+              <a:t>8/30/2018</a:t>
             </a:fld>
             <a:endParaRPr lang="en-US" dirty="0"/>
           </a:p>
@@ -6611,7 +6616,7 @@
           <a:p>
             <a:fld id="{E331444B-B92B-4E27-8C94-BB93EAF5CB18}" type="datetimeFigureOut">
               <a:rPr lang="en-US" dirty="0"/>
-              <a:t>8/28/2018</a:t>
+              <a:t>8/30/2018</a:t>
             </a:fld>
             <a:endParaRPr lang="en-US" dirty="0"/>
           </a:p>
@@ -7015,7 +7020,7 @@
           <a:p>
             <a:fld id="{363EFA5E-FA76-400D-B3DC-F0BA90E6D107}" type="datetimeFigureOut">
               <a:rPr lang="en-US" dirty="0"/>
-              <a:t>8/28/2018</a:t>
+              <a:t>8/30/2018</a:t>
             </a:fld>
             <a:endParaRPr lang="en-US" dirty="0"/>
           </a:p>
@@ -7254,7 +7259,7 @@
           <a:p>
             <a:fld id="{9D6E9DEC-419B-4CC5-A080-3B06BD5A8291}" type="datetimeFigureOut">
               <a:rPr lang="en-US" dirty="0"/>
-              <a:t>8/28/2018</a:t>
+              <a:t>8/30/2018</a:t>
             </a:fld>
             <a:endParaRPr lang="en-US" dirty="0"/>
           </a:p>
@@ -8543,7 +8548,15 @@
           <a:bodyPr/>
           <a:lstStyle/>
           <a:p>
-            <a:endParaRPr lang="es-AR"/>
+            <a:r>
+              <a:rPr lang="es-AR" dirty="0" smtClean="0"/>
+              <a:t>Operadores </a:t>
+            </a:r>
+            <a:r>
+              <a:rPr lang="es-AR" dirty="0" err="1" smtClean="0"/>
+              <a:t>Sobrecargables</a:t>
+            </a:r>
+            <a:endParaRPr lang="es-AR" dirty="0"/>
           </a:p>
         </p:txBody>
       </p:sp>
@@ -9056,7 +9069,19 @@
           <a:bodyPr/>
           <a:lstStyle/>
           <a:p>
-            <a:endParaRPr lang="es-AR"/>
+            <a:r>
+              <a:rPr lang="es-AR" dirty="0"/>
+              <a:t>Operadores </a:t>
+            </a:r>
+            <a:r>
+              <a:rPr lang="es-AR" dirty="0" smtClean="0"/>
+              <a:t>No </a:t>
+            </a:r>
+            <a:r>
+              <a:rPr lang="es-AR" dirty="0" err="1" smtClean="0"/>
+              <a:t>Sobrecargables</a:t>
+            </a:r>
+            <a:endParaRPr lang="es-AR" dirty="0"/>
           </a:p>
         </p:txBody>
       </p:sp>
@@ -9174,20 +9199,6 @@
                         </a:rPr>
                         <a:t>Tipos</a:t>
                       </a:r>
-                      <a:endParaRPr kumimoji="0" lang="es-ES" sz="2800" b="0" i="0" u="none" strike="noStrike" cap="none" normalizeH="0" baseline="0" dirty="0" smtClean="0">
-                        <a:ln>
-                          <a:noFill/>
-                        </a:ln>
-                        <a:solidFill>
-                          <a:schemeClr val="tx1"/>
-                        </a:solidFill>
-                        <a:effectLst>
-                          <a:outerShdw blurRad="38100" dist="38100" dir="2700000" algn="tl">
-                            <a:srgbClr val="000000"/>
-                          </a:outerShdw>
-                        </a:effectLst>
-                        <a:latin typeface="Franklin Gothic Medium" pitchFamily="34" charset="0"/>
-                      </a:endParaRPr>
                     </a:p>
                   </a:txBody>
                   <a:tcPr marL="90000" marR="90000" marT="46791" marB="46791" horzOverflow="overflow"/>
@@ -9798,7 +9809,15 @@
           <a:bodyPr/>
           <a:lstStyle/>
           <a:p>
-            <a:endParaRPr lang="es-AR"/>
+            <a:r>
+              <a:rPr lang="es-AR" dirty="0"/>
+              <a:t>Operadores No </a:t>
+            </a:r>
+            <a:r>
+              <a:rPr lang="es-AR" dirty="0" err="1"/>
+              <a:t>Sobrecargables</a:t>
+            </a:r>
+            <a:endParaRPr lang="es-AR" dirty="0"/>
           </a:p>
         </p:txBody>
       </p:sp>

--- a/PPTs/ProgramacionII_Clase_04.2-2018.pptx
+++ b/PPTs/ProgramacionII_Clase_04.2-2018.pptx
@@ -392,7 +392,7 @@
           <a:p>
             <a:fld id="{78ABE3C1-DBE1-495D-B57B-2849774B866A}" type="datetimeFigureOut">
               <a:rPr lang="en-US" dirty="0"/>
-              <a:t>8/30/2018</a:t>
+              <a:t>8/31/2018</a:t>
             </a:fld>
             <a:endParaRPr lang="en-US" dirty="0"/>
           </a:p>
@@ -801,7 +801,7 @@
           <a:p>
             <a:fld id="{446C117F-5CCF-4837-BE5F-2B92066CAFAF}" type="datetimeFigureOut">
               <a:rPr lang="en-US" dirty="0"/>
-              <a:t>8/30/2018</a:t>
+              <a:t>8/31/2018</a:t>
             </a:fld>
             <a:endParaRPr lang="en-US" dirty="0"/>
           </a:p>
@@ -1132,7 +1132,7 @@
           <a:p>
             <a:fld id="{84EB90BD-B6CE-46B7-997F-7313B992CCDC}" type="datetimeFigureOut">
               <a:rPr lang="en-US" dirty="0"/>
-              <a:t>8/30/2018</a:t>
+              <a:t>8/31/2018</a:t>
             </a:fld>
             <a:endParaRPr lang="en-US" dirty="0"/>
           </a:p>
@@ -1532,7 +1532,7 @@
           <a:p>
             <a:fld id="{CDB9D11F-B188-461D-B23F-39381795C052}" type="datetimeFigureOut">
               <a:rPr lang="en-US" dirty="0"/>
-              <a:t>8/30/2018</a:t>
+              <a:t>8/31/2018</a:t>
             </a:fld>
             <a:endParaRPr lang="en-US" dirty="0"/>
           </a:p>
@@ -2095,7 +2095,7 @@
           <a:p>
             <a:fld id="{52E6D8D9-55A2-4063-B0F3-121F44549695}" type="datetimeFigureOut">
               <a:rPr lang="en-US" dirty="0"/>
-              <a:t>8/30/2018</a:t>
+              <a:t>8/31/2018</a:t>
             </a:fld>
             <a:endParaRPr lang="en-US" dirty="0"/>
           </a:p>
@@ -2771,7 +2771,7 @@
           <a:p>
             <a:fld id="{D4B24536-994D-4021-A283-9F449C0DB509}" type="datetimeFigureOut">
               <a:rPr lang="en-US" dirty="0"/>
-              <a:t>8/30/2018</a:t>
+              <a:t>8/31/2018</a:t>
             </a:fld>
             <a:endParaRPr lang="en-US" dirty="0"/>
           </a:p>
@@ -3679,7 +3679,7 @@
           <a:p>
             <a:fld id="{3CBBBB78-C96F-47B7-AB17-D852CA960AC9}" type="datetimeFigureOut">
               <a:rPr lang="en-US" dirty="0"/>
-              <a:t>8/30/2018</a:t>
+              <a:t>8/31/2018</a:t>
             </a:fld>
             <a:endParaRPr lang="en-US" dirty="0"/>
           </a:p>
@@ -3987,7 +3987,7 @@
           <a:p>
             <a:fld id="{1FA3F48C-C7C6-4055-9F49-3777875E72AE}" type="datetimeFigureOut">
               <a:rPr lang="en-US" dirty="0"/>
-              <a:t>8/30/2018</a:t>
+              <a:t>8/31/2018</a:t>
             </a:fld>
             <a:endParaRPr lang="en-US" dirty="0"/>
           </a:p>
@@ -4246,7 +4246,7 @@
           <a:p>
             <a:fld id="{6178E61D-D431-422C-9764-11DAFE33AB63}" type="datetimeFigureOut">
               <a:rPr lang="en-US" dirty="0"/>
-              <a:t>8/30/2018</a:t>
+              <a:t>8/31/2018</a:t>
             </a:fld>
             <a:endParaRPr lang="en-US" dirty="0"/>
           </a:p>
@@ -4565,7 +4565,7 @@
           <a:p>
             <a:fld id="{12DE42F4-6EEF-4EF7-8ED4-2208F0F89A08}" type="datetimeFigureOut">
               <a:rPr lang="en-US" dirty="0"/>
-              <a:t>8/30/2018</a:t>
+              <a:t>8/31/2018</a:t>
             </a:fld>
             <a:endParaRPr lang="en-US" dirty="0"/>
           </a:p>
@@ -4949,7 +4949,7 @@
           <a:p>
             <a:fld id="{30578ACC-22D6-47C1-A373-4FD133E34F3C}" type="datetimeFigureOut">
               <a:rPr lang="en-US" dirty="0"/>
-              <a:t>8/30/2018</a:t>
+              <a:t>8/31/2018</a:t>
             </a:fld>
             <a:endParaRPr lang="en-US" dirty="0"/>
           </a:p>
@@ -5320,7 +5320,7 @@
           <a:p>
             <a:fld id="{4E5A6C69-6797-4E8A-BF37-F2C3751466E9}" type="datetimeFigureOut">
               <a:rPr lang="en-US" dirty="0"/>
-              <a:t>8/30/2018</a:t>
+              <a:t>8/31/2018</a:t>
             </a:fld>
             <a:endParaRPr lang="en-US" dirty="0"/>
           </a:p>
@@ -5821,7 +5821,7 @@
           <a:p>
             <a:fld id="{D82014A1-A632-4878-A0D3-F52BA7563730}" type="datetimeFigureOut">
               <a:rPr lang="en-US" dirty="0"/>
-              <a:t>8/30/2018</a:t>
+              <a:t>8/31/2018</a:t>
             </a:fld>
             <a:endParaRPr lang="en-US" dirty="0"/>
           </a:p>
@@ -6073,7 +6073,7 @@
           <a:p>
             <a:fld id="{CE99F462-093F-4566-844B-4C71F2739DA5}" type="datetimeFigureOut">
               <a:rPr lang="en-US" dirty="0"/>
-              <a:t>8/30/2018</a:t>
+              <a:t>8/31/2018</a:t>
             </a:fld>
             <a:endParaRPr lang="en-US" dirty="0"/>
           </a:p>
@@ -6231,7 +6231,7 @@
           <a:p>
             <a:fld id="{3D24A7AC-904D-4781-85BA-7D10C17ED021}" type="datetimeFigureOut">
               <a:rPr lang="en-US" dirty="0"/>
-              <a:t>8/30/2018</a:t>
+              <a:t>8/31/2018</a:t>
             </a:fld>
             <a:endParaRPr lang="en-US" dirty="0"/>
           </a:p>
@@ -6616,7 +6616,7 @@
           <a:p>
             <a:fld id="{E331444B-B92B-4E27-8C94-BB93EAF5CB18}" type="datetimeFigureOut">
               <a:rPr lang="en-US" dirty="0"/>
-              <a:t>8/30/2018</a:t>
+              <a:t>8/31/2018</a:t>
             </a:fld>
             <a:endParaRPr lang="en-US" dirty="0"/>
           </a:p>
@@ -7020,7 +7020,7 @@
           <a:p>
             <a:fld id="{363EFA5E-FA76-400D-B3DC-F0BA90E6D107}" type="datetimeFigureOut">
               <a:rPr lang="en-US" dirty="0"/>
-              <a:t>8/30/2018</a:t>
+              <a:t>8/31/2018</a:t>
             </a:fld>
             <a:endParaRPr lang="en-US" dirty="0"/>
           </a:p>
@@ -7259,7 +7259,7 @@
           <a:p>
             <a:fld id="{9D6E9DEC-419B-4CC5-A080-3B06BD5A8291}" type="datetimeFigureOut">
               <a:rPr lang="en-US" dirty="0"/>
-              <a:t>8/30/2018</a:t>
+              <a:t>8/31/2018</a:t>
             </a:fld>
             <a:endParaRPr lang="en-US" dirty="0"/>
           </a:p>
@@ -9850,6 +9850,7 @@
                     </a:srgbClr>
                   </a:outerShdw>
                 </a:effectLst>
+                <a:latin typeface="Franklin Gothic Medium" panose="020B0603020102020204" pitchFamily="34" charset="0"/>
               </a:rPr>
               <a:t>(*) Indexador de </a:t>
             </a:r>
@@ -9862,6 +9863,7 @@
                     </a:srgbClr>
                   </a:outerShdw>
                 </a:effectLst>
+                <a:latin typeface="Franklin Gothic Medium" panose="020B0603020102020204" pitchFamily="34" charset="0"/>
               </a:rPr>
               <a:t>Array</a:t>
             </a:r>
@@ -9874,6 +9876,7 @@
                     </a:srgbClr>
                   </a:outerShdw>
                 </a:effectLst>
+                <a:latin typeface="Franklin Gothic Medium" panose="020B0603020102020204" pitchFamily="34" charset="0"/>
               </a:rPr>
               <a:t>: </a:t>
             </a:r>
@@ -9891,6 +9894,7 @@
                     </a:srgbClr>
                   </a:outerShdw>
                 </a:effectLst>
+                <a:latin typeface="Franklin Gothic Medium" panose="020B0603020102020204" pitchFamily="34" charset="0"/>
               </a:rPr>
               <a:t>Se pueden definir indexadores.</a:t>
             </a:r>
@@ -9907,6 +9911,7 @@
                   </a:srgbClr>
                 </a:outerShdw>
               </a:effectLst>
+              <a:latin typeface="Franklin Gothic Medium" panose="020B0603020102020204" pitchFamily="34" charset="0"/>
             </a:endParaRPr>
           </a:p>
           <a:p>
@@ -9922,6 +9927,7 @@
                     </a:srgbClr>
                   </a:outerShdw>
                 </a:effectLst>
+                <a:latin typeface="Franklin Gothic Medium" panose="020B0603020102020204" pitchFamily="34" charset="0"/>
               </a:rPr>
               <a:t>(**) Casting:</a:t>
             </a:r>
@@ -9939,6 +9945,7 @@
                     </a:srgbClr>
                   </a:outerShdw>
                 </a:effectLst>
+                <a:latin typeface="Franklin Gothic Medium" panose="020B0603020102020204" pitchFamily="34" charset="0"/>
               </a:rPr>
               <a:t>Se pueden definir nuevos operadores de conversión.</a:t>
             </a:r>
@@ -9955,6 +9962,7 @@
                   </a:srgbClr>
                 </a:outerShdw>
               </a:effectLst>
+              <a:latin typeface="Franklin Gothic Medium" panose="020B0603020102020204" pitchFamily="34" charset="0"/>
             </a:endParaRPr>
           </a:p>
           <a:p>
@@ -9970,6 +9978,7 @@
                     </a:srgbClr>
                   </a:outerShdw>
                 </a:effectLst>
+                <a:latin typeface="Franklin Gothic Medium" panose="020B0603020102020204" pitchFamily="34" charset="0"/>
               </a:rPr>
               <a:t>(***) Asignación:</a:t>
             </a:r>
@@ -9987,6 +9996,7 @@
                     </a:srgbClr>
                   </a:outerShdw>
                 </a:effectLst>
+                <a:latin typeface="Franklin Gothic Medium" panose="020B0603020102020204" pitchFamily="34" charset="0"/>
               </a:rPr>
               <a:t>El operador </a:t>
             </a:r>
@@ -9999,6 +10009,7 @@
                     </a:srgbClr>
                   </a:outerShdw>
                 </a:effectLst>
+                <a:latin typeface="Franklin Gothic Medium" panose="020B0603020102020204" pitchFamily="34" charset="0"/>
               </a:rPr>
               <a:t>+=</a:t>
             </a:r>
@@ -10011,6 +10022,7 @@
                     </a:srgbClr>
                   </a:outerShdw>
                 </a:effectLst>
+                <a:latin typeface="Franklin Gothic Medium" panose="020B0603020102020204" pitchFamily="34" charset="0"/>
               </a:rPr>
               <a:t>, por ejemplo,  es evaluado usando el operador </a:t>
             </a:r>
@@ -10023,6 +10035,7 @@
                     </a:srgbClr>
                   </a:outerShdw>
                 </a:effectLst>
+                <a:latin typeface="Franklin Gothic Medium" panose="020B0603020102020204" pitchFamily="34" charset="0"/>
               </a:rPr>
               <a:t>+</a:t>
             </a:r>
@@ -10035,6 +10048,7 @@
                     </a:srgbClr>
                   </a:outerShdw>
                 </a:effectLst>
+                <a:latin typeface="Franklin Gothic Medium" panose="020B0603020102020204" pitchFamily="34" charset="0"/>
               </a:rPr>
               <a:t>, el cual puede ser sobrecargado.</a:t>
             </a:r>
@@ -10046,6 +10060,7 @@
                   </a:srgbClr>
                 </a:outerShdw>
               </a:effectLst>
+              <a:latin typeface="Franklin Gothic Medium" panose="020B0603020102020204" pitchFamily="34" charset="0"/>
             </a:endParaRPr>
           </a:p>
           <a:p>
@@ -10140,6 +10155,7 @@
                     </a:srgbClr>
                   </a:outerShdw>
                 </a:effectLst>
+                <a:latin typeface="Franklin Gothic Medium" panose="020B0603020102020204" pitchFamily="34" charset="0"/>
               </a:rPr>
               <a:t>Las conversiones definidas permiten hacer compatibles tipos que antes no lo eran.</a:t>
             </a:r>
@@ -10156,6 +10172,7 @@
                   </a:srgbClr>
                 </a:outerShdw>
               </a:effectLst>
+              <a:latin typeface="Franklin Gothic Medium" panose="020B0603020102020204" pitchFamily="34" charset="0"/>
             </a:endParaRPr>
           </a:p>
           <a:p>
@@ -10171,6 +10188,7 @@
                     </a:srgbClr>
                   </a:outerShdw>
                 </a:effectLst>
+                <a:latin typeface="Franklin Gothic Medium" panose="020B0603020102020204" pitchFamily="34" charset="0"/>
               </a:rPr>
               <a:t>Los operadores de conversión pueden ser implícitos o explícitos.</a:t>
             </a:r>
@@ -10187,6 +10205,7 @@
                   </a:srgbClr>
                 </a:outerShdw>
               </a:effectLst>
+              <a:latin typeface="Franklin Gothic Medium" panose="020B0603020102020204" pitchFamily="34" charset="0"/>
             </a:endParaRPr>
           </a:p>
           <a:p>
@@ -10202,6 +10221,7 @@
                     </a:srgbClr>
                   </a:outerShdw>
                 </a:effectLst>
+                <a:latin typeface="Franklin Gothic Medium" panose="020B0603020102020204" pitchFamily="34" charset="0"/>
               </a:rPr>
               <a:t>Los operadores de conversión explícitos son muy usados cuando se quiere que los usuarios estén conscientes que una conversión se llevará a cabo.</a:t>
             </a:r>
@@ -10268,7 +10288,7 @@
           <a:p>
             <a:r>
               <a:rPr lang="es-AR" dirty="0" smtClean="0"/>
-              <a:t>Características</a:t>
+              <a:t>Sintaxis</a:t>
             </a:r>
             <a:endParaRPr lang="es-AR" dirty="0"/>
           </a:p>
@@ -10298,70 +10318,46 @@
           <a:p>
             <a:r>
               <a:rPr lang="es-ES" dirty="0" smtClean="0">
-                <a:effectLst>
-                  <a:outerShdw blurRad="38100" dist="38100" dir="2700000" algn="tl">
-                    <a:srgbClr val="000000">
-                      <a:alpha val="43137"/>
-                    </a:srgbClr>
-                  </a:outerShdw>
-                </a:effectLst>
+                <a:latin typeface="Franklin Gothic Medium" panose="020B0603020102020204" pitchFamily="34" charset="0"/>
               </a:rPr>
               <a:t>Implícitos</a:t>
             </a:r>
             <a:endParaRPr lang="es-ES" dirty="0">
-              <a:effectLst>
-                <a:outerShdw blurRad="38100" dist="38100" dir="2700000" algn="tl">
-                  <a:srgbClr val="000000">
-                    <a:alpha val="43137"/>
-                  </a:srgbClr>
-                </a:outerShdw>
-              </a:effectLst>
+              <a:latin typeface="Franklin Gothic Medium" panose="020B0603020102020204" pitchFamily="34" charset="0"/>
             </a:endParaRPr>
           </a:p>
           <a:p>
-            <a:endParaRPr lang="es-AR" dirty="0" smtClean="0"/>
-          </a:p>
-          <a:p>
-            <a:endParaRPr lang="es-AR" dirty="0"/>
-          </a:p>
-          <a:p>
-            <a:endParaRPr lang="es-AR" dirty="0" smtClean="0"/>
+            <a:endParaRPr lang="es-AR" dirty="0" smtClean="0">
+              <a:latin typeface="Franklin Gothic Medium" panose="020B0603020102020204" pitchFamily="34" charset="0"/>
+            </a:endParaRPr>
+          </a:p>
+          <a:p>
+            <a:endParaRPr lang="es-AR" dirty="0">
+              <a:latin typeface="Franklin Gothic Medium" panose="020B0603020102020204" pitchFamily="34" charset="0"/>
+            </a:endParaRPr>
+          </a:p>
+          <a:p>
+            <a:endParaRPr lang="es-AR" dirty="0" smtClean="0">
+              <a:latin typeface="Franklin Gothic Medium" panose="020B0603020102020204" pitchFamily="34" charset="0"/>
+            </a:endParaRPr>
           </a:p>
           <a:p>
             <a:pPr marL="0" indent="0">
               <a:buNone/>
             </a:pPr>
             <a:endParaRPr lang="es-AR" b="1" dirty="0" smtClean="0">
-              <a:effectLst>
-                <a:outerShdw blurRad="38100" dist="38100" dir="2700000" algn="tl">
-                  <a:srgbClr val="000000">
-                    <a:alpha val="43137"/>
-                  </a:srgbClr>
-                </a:outerShdw>
-              </a:effectLst>
+              <a:latin typeface="Franklin Gothic Medium" panose="020B0603020102020204" pitchFamily="34" charset="0"/>
             </a:endParaRPr>
           </a:p>
           <a:p>
             <a:r>
               <a:rPr lang="es-AR" dirty="0" smtClean="0">
-                <a:effectLst>
-                  <a:outerShdw blurRad="38100" dist="38100" dir="2700000" algn="tl">
-                    <a:srgbClr val="000000">
-                      <a:alpha val="43137"/>
-                    </a:srgbClr>
-                  </a:outerShdw>
-                </a:effectLst>
+                <a:latin typeface="Franklin Gothic Medium" panose="020B0603020102020204" pitchFamily="34" charset="0"/>
               </a:rPr>
               <a:t>Explícitos</a:t>
             </a:r>
             <a:endParaRPr lang="es-AR" dirty="0">
-              <a:effectLst>
-                <a:outerShdw blurRad="38100" dist="38100" dir="2700000" algn="tl">
-                  <a:srgbClr val="000000">
-                    <a:alpha val="43137"/>
-                  </a:srgbClr>
-                </a:outerShdw>
-              </a:effectLst>
+              <a:latin typeface="Franklin Gothic Medium" panose="020B0603020102020204" pitchFamily="34" charset="0"/>
             </a:endParaRPr>
           </a:p>
           <a:p>
@@ -10651,13 +10647,13 @@
               <a:buNone/>
             </a:pPr>
             <a:r>
-              <a:rPr lang="es-AR" sz="2000" dirty="0">
+              <a:rPr lang="es-AR" sz="2000" dirty="0" smtClean="0">
                 <a:solidFill>
                   <a:srgbClr val="0000FF"/>
                 </a:solidFill>
                 <a:latin typeface="Consolas" panose="020B0609020204030204" pitchFamily="49" charset="0"/>
               </a:rPr>
-              <a:t>[visibilidad] </a:t>
+              <a:t>[acceso] </a:t>
             </a:r>
             <a:r>
               <a:rPr lang="es-AR" sz="2000" dirty="0" err="1">
@@ -11106,7 +11102,7 @@
                 </a:solidFill>
                 <a:latin typeface="Consolas" panose="020B0609020204030204" pitchFamily="49" charset="0"/>
               </a:rPr>
-              <a:t>[visibilidad] </a:t>
+              <a:t>[acceso] </a:t>
             </a:r>
             <a:r>
               <a:rPr lang="es-AR" sz="2000" dirty="0" err="1">
